--- a/docs/GULLU.pptx
+++ b/docs/GULLU.pptx
@@ -122,7 +122,7 @@
 
 <file path=ppt/commentAuthors.xml><?xml version="1.0" encoding="utf-8"?>
 <p:cmAuthorLst xmlns:a="http://schemas.openxmlformats.org/drawingml/2006/main" xmlns:r="http://schemas.openxmlformats.org/officeDocument/2006/relationships" xmlns:p="http://schemas.openxmlformats.org/presentationml/2006/main">
-  <p:cmAuthor id="1" name="Khati, Manish" initials="KM" lastIdx="6" clrIdx="0">
+  <p:cmAuthor id="1" name="Khati, Manish" initials="KM" lastIdx="7" clrIdx="0">
     <p:extLst>
       <p:ext uri="{19B8F6BF-5375-455C-9EA6-DF929625EA0E}">
         <p15:presenceInfo xmlns:p15="http://schemas.microsoft.com/office/powerpoint/2012/main" userId="S::manish.khati@accenture.com::47bad4fa-738f-42d7-bf09-715e4940d3b0" providerId="AD"/>
@@ -176,6 +176,22 @@
         <p15:threadingInfo xmlns:p15="http://schemas.microsoft.com/office/powerpoint/2012/main" timeZoneBias="-330">
           <p15:parentCm authorId="1" idx="5"/>
         </p15:threadingInfo>
+      </p:ext>
+    </p:extLst>
+  </p:cm>
+</p:cmLst>
+</file>
+
+<file path=ppt/comments/comment3.xml><?xml version="1.0" encoding="utf-8"?>
+<p:cmLst xmlns:a="http://schemas.openxmlformats.org/drawingml/2006/main" xmlns:r="http://schemas.openxmlformats.org/officeDocument/2006/relationships" xmlns:p="http://schemas.openxmlformats.org/presentationml/2006/main">
+  <p:cm authorId="1" dt="2020-10-08T11:38:02.070" idx="7">
+    <p:pos x="6067" y="1245"/>
+    <p:text># of time users saw Tweets --&gt; Total Number of impression
+# of times users interacted --&gt; Total number of engagement
+Click for top 5 tweets --&gt; Engagement Rate = Total NUmber of Engagement/TOtal number of impression</p:text>
+    <p:extLst>
+      <p:ext uri="{C676402C-5697-4E1C-873F-D02D1690AC5C}">
+        <p15:threadingInfo xmlns:p15="http://schemas.microsoft.com/office/powerpoint/2012/main" timeZoneBias="-330"/>
       </p:ext>
     </p:extLst>
   </p:cm>
@@ -376,7 +392,7 @@
           <a:p>
             <a:fld id="{48A87A34-81AB-432B-8DAE-1953F412C126}" type="datetimeFigureOut">
               <a:rPr lang="en-US" dirty="0"/>
-              <a:t>9/30/2020</a:t>
+              <a:t>10/8/2020</a:t>
             </a:fld>
             <a:endParaRPr lang="en-US" dirty="0"/>
           </a:p>
@@ -582,7 +598,7 @@
           <a:p>
             <a:fld id="{48A87A34-81AB-432B-8DAE-1953F412C126}" type="datetimeFigureOut">
               <a:rPr lang="en-US" dirty="0"/>
-              <a:t>9/30/2020</a:t>
+              <a:t>10/8/2020</a:t>
             </a:fld>
             <a:endParaRPr lang="en-US" dirty="0"/>
           </a:p>
@@ -792,7 +808,7 @@
           <a:p>
             <a:fld id="{48A87A34-81AB-432B-8DAE-1953F412C126}" type="datetimeFigureOut">
               <a:rPr lang="en-US" dirty="0"/>
-              <a:t>9/30/2020</a:t>
+              <a:t>10/8/2020</a:t>
             </a:fld>
             <a:endParaRPr lang="en-US" dirty="0"/>
           </a:p>
@@ -988,7 +1004,7 @@
           <a:p>
             <a:fld id="{48A87A34-81AB-432B-8DAE-1953F412C126}" type="datetimeFigureOut">
               <a:rPr lang="en-US" dirty="0"/>
-              <a:t>9/30/2020</a:t>
+              <a:t>10/8/2020</a:t>
             </a:fld>
             <a:endParaRPr lang="en-US" dirty="0"/>
           </a:p>
@@ -1262,7 +1278,7 @@
           <a:p>
             <a:fld id="{48A87A34-81AB-432B-8DAE-1953F412C126}" type="datetimeFigureOut">
               <a:rPr lang="en-US" dirty="0"/>
-              <a:t>9/30/2020</a:t>
+              <a:t>10/8/2020</a:t>
             </a:fld>
             <a:endParaRPr lang="en-US" dirty="0"/>
           </a:p>
@@ -1525,7 +1541,7 @@
           <a:p>
             <a:fld id="{48A87A34-81AB-432B-8DAE-1953F412C126}" type="datetimeFigureOut">
               <a:rPr lang="en-US" dirty="0"/>
-              <a:t>9/30/2020</a:t>
+              <a:t>10/8/2020</a:t>
             </a:fld>
             <a:endParaRPr lang="en-US" dirty="0"/>
           </a:p>
@@ -1936,7 +1952,7 @@
           <a:p>
             <a:fld id="{48A87A34-81AB-432B-8DAE-1953F412C126}" type="datetimeFigureOut">
               <a:rPr lang="en-US" dirty="0"/>
-              <a:t>9/30/2020</a:t>
+              <a:t>10/8/2020</a:t>
             </a:fld>
             <a:endParaRPr lang="en-US" dirty="0"/>
           </a:p>
@@ -2080,7 +2096,7 @@
           <a:p>
             <a:fld id="{48A87A34-81AB-432B-8DAE-1953F412C126}" type="datetimeFigureOut">
               <a:rPr lang="en-US" dirty="0"/>
-              <a:t>9/30/2020</a:t>
+              <a:t>10/8/2020</a:t>
             </a:fld>
             <a:endParaRPr lang="en-US" dirty="0"/>
           </a:p>
@@ -2201,7 +2217,7 @@
           <a:p>
             <a:fld id="{48A87A34-81AB-432B-8DAE-1953F412C126}" type="datetimeFigureOut">
               <a:rPr lang="en-US" dirty="0"/>
-              <a:t>9/30/2020</a:t>
+              <a:t>10/8/2020</a:t>
             </a:fld>
             <a:endParaRPr lang="en-US" dirty="0"/>
           </a:p>
@@ -2447,7 +2463,7 @@
           <a:p>
             <a:fld id="{48A87A34-81AB-432B-8DAE-1953F412C126}" type="datetimeFigureOut">
               <a:rPr lang="en-US" dirty="0"/>
-              <a:t>9/30/2020</a:t>
+              <a:t>10/8/2020</a:t>
             </a:fld>
             <a:endParaRPr lang="en-US" dirty="0"/>
           </a:p>
@@ -2888,7 +2904,7 @@
             <a:fld id="{48A87A34-81AB-432B-8DAE-1953F412C126}" type="datetimeFigureOut">
               <a:rPr lang="en-US" dirty="0"/>
               <a:pPr/>
-              <a:t>9/30/2020</a:t>
+              <a:t>10/8/2020</a:t>
             </a:fld>
             <a:endParaRPr lang="en-US" dirty="0"/>
           </a:p>
@@ -3211,7 +3227,7 @@
             <a:fld id="{48A87A34-81AB-432B-8DAE-1953F412C126}" type="datetimeFigureOut">
               <a:rPr lang="en-US" dirty="0"/>
               <a:pPr/>
-              <a:t>9/30/2020</a:t>
+              <a:t>10/8/2020</a:t>
             </a:fld>
             <a:endParaRPr lang="en-US" dirty="0"/>
           </a:p>
@@ -4648,7 +4664,7 @@
             <a:pPr algn="ctr"/>
             <a:r>
               <a:rPr lang="en-US" dirty="0"/>
-              <a:t>Sentiment Analytics</a:t>
+              <a:t>Social Media Analysis</a:t>
             </a:r>
           </a:p>
         </p:txBody>
@@ -4979,7 +4995,7 @@
         </p:nvSpPr>
         <p:spPr>
           <a:xfrm>
-            <a:off x="78115" y="1511748"/>
+            <a:off x="78115" y="1525533"/>
             <a:ext cx="12029644" cy="4516860"/>
           </a:xfrm>
           <a:prstGeom prst="rect">
@@ -5719,7 +5735,7 @@
             <a:pPr algn="ctr"/>
             <a:r>
               <a:rPr lang="en-US" b="1" u="sng" dirty="0"/>
-              <a:t>Data Extraction and Statistical Sentiment Analysis</a:t>
+              <a:t>Data Extraction and Social Media Analysis</a:t>
             </a:r>
           </a:p>
           <a:p>
@@ -9114,7 +9130,7 @@
           <a:p>
             <a:r>
               <a:rPr lang="en-US" sz="1400" dirty="0"/>
-              <a:t>List of users </a:t>
+              <a:t>List of Influencers </a:t>
             </a:r>
           </a:p>
         </p:txBody>
@@ -9474,8 +9490,8 @@
           </a:fontRef>
         </p:style>
       </p:cxnSp>
-      <mc:AlternateContent xmlns:mc="http://schemas.openxmlformats.org/markup-compatibility/2006">
-        <mc:Choice xmlns:p14="http://schemas.microsoft.com/office/powerpoint/2010/main" Requires="p14">
+      <mc:AlternateContent xmlns:mc="http://schemas.openxmlformats.org/markup-compatibility/2006" xmlns:p14="http://schemas.microsoft.com/office/powerpoint/2010/main">
+        <mc:Choice Requires="p14">
           <p:contentPart p14:bwMode="auto" r:id="rId3">
             <p14:nvContentPartPr>
               <p14:cNvPr id="13" name="Ink 12">
@@ -9494,7 +9510,7 @@
             </p14:xfrm>
           </p:contentPart>
         </mc:Choice>
-        <mc:Fallback>
+        <mc:Fallback xmlns="">
           <p:pic>
             <p:nvPicPr>
               <p:cNvPr id="13" name="Ink 12">
@@ -10159,7 +10175,7 @@
           <a:p>
             <a:r>
               <a:rPr lang="en-US" sz="1400" dirty="0"/>
-              <a:t>List of users               :      </a:t>
+              <a:t>List of  Influencers     :      </a:t>
             </a:r>
             <a:r>
               <a:rPr lang="en-US" sz="1400" dirty="0" err="1"/>
@@ -10662,14 +10678,11 @@
           <a:lstStyle/>
           <a:p>
             <a:pPr algn="ctr"/>
-            <a:r>
-              <a:rPr lang="en-US" dirty="0">
-                <a:solidFill>
-                  <a:schemeClr val="tx1"/>
-                </a:solidFill>
-              </a:rPr>
-              <a:t>Word Cloud</a:t>
-            </a:r>
+            <a:endParaRPr lang="en-US" dirty="0">
+              <a:solidFill>
+                <a:schemeClr val="tx1"/>
+              </a:solidFill>
+            </a:endParaRPr>
           </a:p>
         </p:txBody>
       </p:sp>
@@ -10851,8 +10864,8 @@
         </p:nvSpPr>
         <p:spPr>
           <a:xfrm>
-            <a:off x="5197796" y="3567540"/>
-            <a:ext cx="6868607" cy="2472853"/>
+            <a:off x="8042306" y="3567540"/>
+            <a:ext cx="4024097" cy="2472853"/>
           </a:xfrm>
           <a:prstGeom prst="rect">
             <a:avLst/>
@@ -10911,7 +10924,7 @@
         </p:nvSpPr>
         <p:spPr>
           <a:xfrm>
-            <a:off x="5137182" y="3623500"/>
+            <a:off x="8070484" y="3478629"/>
             <a:ext cx="4167642" cy="369332"/>
           </a:xfrm>
           <a:prstGeom prst="rect">
@@ -11625,8 +11638,8 @@
           </a:p>
         </p:txBody>
       </p:sp>
-      <mc:AlternateContent xmlns:mc="http://schemas.openxmlformats.org/markup-compatibility/2006">
-        <mc:Choice xmlns:p14="http://schemas.microsoft.com/office/powerpoint/2010/main" Requires="p14">
+      <mc:AlternateContent xmlns:mc="http://schemas.openxmlformats.org/markup-compatibility/2006" xmlns:p14="http://schemas.microsoft.com/office/powerpoint/2010/main">
+        <mc:Choice Requires="p14">
           <p:contentPart p14:bwMode="auto" r:id="rId4">
             <p14:nvContentPartPr>
               <p14:cNvPr id="42" name="Ink 41">
@@ -11645,7 +11658,7 @@
             </p14:xfrm>
           </p:contentPart>
         </mc:Choice>
-        <mc:Fallback>
+        <mc:Fallback xmlns="">
           <p:pic>
             <p:nvPicPr>
               <p:cNvPr id="42" name="Ink 41">
@@ -12081,6 +12094,555 @@
               <a:rPr lang="en-US" dirty="0"/>
               <a:t> </a:t>
             </a:r>
+          </a:p>
+        </p:txBody>
+      </p:sp>
+      <p:sp>
+        <p:nvSpPr>
+          <p:cNvPr id="43" name="Rectangle 42">
+            <a:extLst>
+              <a:ext uri="{FF2B5EF4-FFF2-40B4-BE49-F238E27FC236}">
+                <a16:creationId xmlns:a16="http://schemas.microsoft.com/office/drawing/2014/main" id="{2C458AB4-8C40-43E4-B4F6-90294C3C81B0}"/>
+              </a:ext>
+            </a:extLst>
+          </p:cNvPr>
+          <p:cNvSpPr/>
+          <p:nvPr/>
+        </p:nvSpPr>
+        <p:spPr>
+          <a:xfrm>
+            <a:off x="5200136" y="3567540"/>
+            <a:ext cx="2805998" cy="2500298"/>
+          </a:xfrm>
+          <a:prstGeom prst="rect">
+            <a:avLst/>
+          </a:prstGeom>
+          <a:solidFill>
+            <a:schemeClr val="bg1">
+              <a:lumMod val="95000"/>
+            </a:schemeClr>
+          </a:solidFill>
+          <a:ln>
+            <a:solidFill>
+              <a:schemeClr val="bg1"/>
+            </a:solidFill>
+          </a:ln>
+        </p:spPr>
+        <p:style>
+          <a:lnRef idx="2">
+            <a:schemeClr val="accent1">
+              <a:shade val="50000"/>
+            </a:schemeClr>
+          </a:lnRef>
+          <a:fillRef idx="1">
+            <a:schemeClr val="accent1"/>
+          </a:fillRef>
+          <a:effectRef idx="0">
+            <a:schemeClr val="accent1"/>
+          </a:effectRef>
+          <a:fontRef idx="minor">
+            <a:schemeClr val="lt1"/>
+          </a:fontRef>
+        </p:style>
+        <p:txBody>
+          <a:bodyPr rtlCol="0" anchor="ctr"/>
+          <a:lstStyle/>
+          <a:p>
+            <a:pPr algn="ctr"/>
+            <a:endParaRPr lang="en-US"/>
+          </a:p>
+        </p:txBody>
+      </p:sp>
+      <p:sp>
+        <p:nvSpPr>
+          <p:cNvPr id="47" name="TextBox 46">
+            <a:extLst>
+              <a:ext uri="{FF2B5EF4-FFF2-40B4-BE49-F238E27FC236}">
+                <a16:creationId xmlns:a16="http://schemas.microsoft.com/office/drawing/2014/main" id="{49AB2E73-F3E1-447E-800D-AC984503B9CF}"/>
+              </a:ext>
+            </a:extLst>
+          </p:cNvPr>
+          <p:cNvSpPr txBox="1"/>
+          <p:nvPr/>
+        </p:nvSpPr>
+        <p:spPr>
+          <a:xfrm>
+            <a:off x="5137182" y="3566794"/>
+            <a:ext cx="2586971" cy="369332"/>
+          </a:xfrm>
+          <a:prstGeom prst="rect">
+            <a:avLst/>
+          </a:prstGeom>
+          <a:noFill/>
+        </p:spPr>
+        <p:txBody>
+          <a:bodyPr wrap="square" rtlCol="0">
+            <a:spAutoFit/>
+          </a:bodyPr>
+          <a:lstStyle/>
+          <a:p>
+            <a:r>
+              <a:rPr lang="en-US" dirty="0"/>
+              <a:t>Influencer &amp; Engagements</a:t>
+            </a:r>
+          </a:p>
+        </p:txBody>
+      </p:sp>
+      <p:sp>
+        <p:nvSpPr>
+          <p:cNvPr id="2" name="TextBox 1">
+            <a:extLst>
+              <a:ext uri="{FF2B5EF4-FFF2-40B4-BE49-F238E27FC236}">
+                <a16:creationId xmlns:a16="http://schemas.microsoft.com/office/drawing/2014/main" id="{8C27F5F0-2671-4617-8768-707AEF2C88D3}"/>
+              </a:ext>
+            </a:extLst>
+          </p:cNvPr>
+          <p:cNvSpPr txBox="1"/>
+          <p:nvPr/>
+        </p:nvSpPr>
+        <p:spPr>
+          <a:xfrm>
+            <a:off x="5238271" y="4153814"/>
+            <a:ext cx="2767863" cy="1908215"/>
+          </a:xfrm>
+          <a:prstGeom prst="rect">
+            <a:avLst/>
+          </a:prstGeom>
+          <a:noFill/>
+        </p:spPr>
+        <p:txBody>
+          <a:bodyPr wrap="square" rtlCol="0">
+            <a:spAutoFit/>
+          </a:bodyPr>
+          <a:lstStyle/>
+          <a:p>
+            <a:r>
+              <a:rPr lang="en-US" u="sng" dirty="0"/>
+              <a:t>User 1</a:t>
+            </a:r>
+            <a:r>
+              <a:rPr lang="en-US" dirty="0"/>
+              <a:t>:</a:t>
+            </a:r>
+          </a:p>
+          <a:p>
+            <a:r>
+              <a:rPr lang="en-US" sz="1000" dirty="0"/>
+              <a:t>User-1 has xxx followers.</a:t>
+            </a:r>
+          </a:p>
+          <a:p>
+            <a:r>
+              <a:rPr lang="en-US" sz="1000" dirty="0"/>
+              <a:t>User-1 has xxx friends.</a:t>
+            </a:r>
+          </a:p>
+          <a:p>
+            <a:r>
+              <a:rPr lang="en-US" sz="1000" dirty="0"/>
+              <a:t>User-1 has xxx mutual friends</a:t>
+            </a:r>
+          </a:p>
+          <a:p>
+            <a:r>
+              <a:rPr lang="en-US" sz="1000" dirty="0"/>
+              <a:t>Xxx friends are not following user-1 back</a:t>
+            </a:r>
+          </a:p>
+          <a:p>
+            <a:r>
+              <a:rPr lang="en-US" sz="1000" dirty="0"/>
+              <a:t>Xxx followers are not followed back by User-1</a:t>
+            </a:r>
+          </a:p>
+          <a:p>
+            <a:r>
+              <a:rPr lang="en-US" sz="1000" dirty="0"/>
+              <a:t>….</a:t>
+            </a:r>
+          </a:p>
+          <a:p>
+            <a:r>
+              <a:rPr lang="en-US" sz="1000" dirty="0"/>
+              <a:t>……..</a:t>
+            </a:r>
+          </a:p>
+          <a:p>
+            <a:r>
+              <a:rPr lang="en-US" sz="1000" dirty="0"/>
+              <a:t>………</a:t>
+            </a:r>
+          </a:p>
+          <a:p>
+            <a:r>
+              <a:rPr lang="en-US" sz="1000" dirty="0"/>
+              <a:t>………..</a:t>
+            </a:r>
+          </a:p>
+          <a:p>
+            <a:r>
+              <a:rPr lang="en-US" sz="1000" dirty="0"/>
+              <a:t> </a:t>
+            </a:r>
+          </a:p>
+        </p:txBody>
+      </p:sp>
+      <p:sp>
+        <p:nvSpPr>
+          <p:cNvPr id="49" name="TextBox 48">
+            <a:extLst>
+              <a:ext uri="{FF2B5EF4-FFF2-40B4-BE49-F238E27FC236}">
+                <a16:creationId xmlns:a16="http://schemas.microsoft.com/office/drawing/2014/main" id="{2F7DC157-C611-45D3-A26F-64C0162A5102}"/>
+              </a:ext>
+            </a:extLst>
+          </p:cNvPr>
+          <p:cNvSpPr txBox="1"/>
+          <p:nvPr/>
+        </p:nvSpPr>
+        <p:spPr>
+          <a:xfrm>
+            <a:off x="8070484" y="1619762"/>
+            <a:ext cx="3161343" cy="369332"/>
+          </a:xfrm>
+          <a:prstGeom prst="rect">
+            <a:avLst/>
+          </a:prstGeom>
+          <a:noFill/>
+        </p:spPr>
+        <p:txBody>
+          <a:bodyPr wrap="square" rtlCol="0">
+            <a:spAutoFit/>
+          </a:bodyPr>
+          <a:lstStyle/>
+          <a:p>
+            <a:r>
+              <a:rPr lang="en-US" dirty="0"/>
+              <a:t>Activity on Your Content </a:t>
+            </a:r>
+          </a:p>
+        </p:txBody>
+      </p:sp>
+      <p:cxnSp>
+        <p:nvCxnSpPr>
+          <p:cNvPr id="6" name="Straight Connector 5">
+            <a:extLst>
+              <a:ext uri="{FF2B5EF4-FFF2-40B4-BE49-F238E27FC236}">
+                <a16:creationId xmlns:a16="http://schemas.microsoft.com/office/drawing/2014/main" id="{FE43D5DC-7D39-4D40-8829-9F17E1900866}"/>
+              </a:ext>
+            </a:extLst>
+          </p:cNvPr>
+          <p:cNvCxnSpPr/>
+          <p:nvPr/>
+        </p:nvCxnSpPr>
+        <p:spPr>
+          <a:xfrm>
+            <a:off x="9955013" y="2044764"/>
+            <a:ext cx="0" cy="1419852"/>
+          </a:xfrm>
+          <a:prstGeom prst="line">
+            <a:avLst/>
+          </a:prstGeom>
+          <a:ln>
+            <a:solidFill>
+              <a:schemeClr val="tx1"/>
+            </a:solidFill>
+          </a:ln>
+        </p:spPr>
+        <p:style>
+          <a:lnRef idx="1">
+            <a:schemeClr val="accent1"/>
+          </a:lnRef>
+          <a:fillRef idx="0">
+            <a:schemeClr val="accent1"/>
+          </a:fillRef>
+          <a:effectRef idx="0">
+            <a:schemeClr val="accent1"/>
+          </a:effectRef>
+          <a:fontRef idx="minor">
+            <a:schemeClr val="tx1"/>
+          </a:fontRef>
+        </p:style>
+      </p:cxnSp>
+      <p:cxnSp>
+        <p:nvCxnSpPr>
+          <p:cNvPr id="8" name="Straight Connector 7">
+            <a:extLst>
+              <a:ext uri="{FF2B5EF4-FFF2-40B4-BE49-F238E27FC236}">
+                <a16:creationId xmlns:a16="http://schemas.microsoft.com/office/drawing/2014/main" id="{B7DD9B84-3699-4A66-8D7C-0686E4CCC2E9}"/>
+              </a:ext>
+            </a:extLst>
+          </p:cNvPr>
+          <p:cNvCxnSpPr/>
+          <p:nvPr/>
+        </p:nvCxnSpPr>
+        <p:spPr>
+          <a:xfrm flipV="1">
+            <a:off x="8070484" y="2896168"/>
+            <a:ext cx="3913819" cy="45183"/>
+          </a:xfrm>
+          <a:prstGeom prst="line">
+            <a:avLst/>
+          </a:prstGeom>
+          <a:ln>
+            <a:solidFill>
+              <a:schemeClr val="tx1"/>
+            </a:solidFill>
+          </a:ln>
+        </p:spPr>
+        <p:style>
+          <a:lnRef idx="1">
+            <a:schemeClr val="accent1"/>
+          </a:lnRef>
+          <a:fillRef idx="0">
+            <a:schemeClr val="accent1"/>
+          </a:fillRef>
+          <a:effectRef idx="0">
+            <a:schemeClr val="accent1"/>
+          </a:effectRef>
+          <a:fontRef idx="minor">
+            <a:schemeClr val="tx1"/>
+          </a:fontRef>
+        </p:style>
+      </p:cxnSp>
+      <p:sp>
+        <p:nvSpPr>
+          <p:cNvPr id="9" name="Rectangle: Rounded Corners 8">
+            <a:extLst>
+              <a:ext uri="{FF2B5EF4-FFF2-40B4-BE49-F238E27FC236}">
+                <a16:creationId xmlns:a16="http://schemas.microsoft.com/office/drawing/2014/main" id="{8A59DE6D-F484-4FF1-8475-3CCD66F5248D}"/>
+              </a:ext>
+            </a:extLst>
+          </p:cNvPr>
+          <p:cNvSpPr/>
+          <p:nvPr/>
+        </p:nvSpPr>
+        <p:spPr>
+          <a:xfrm>
+            <a:off x="8156080" y="2010164"/>
+            <a:ext cx="1762758" cy="847204"/>
+          </a:xfrm>
+          <a:prstGeom prst="roundRect">
+            <a:avLst/>
+          </a:prstGeom>
+          <a:solidFill>
+            <a:schemeClr val="bg1">
+              <a:lumMod val="65000"/>
+            </a:schemeClr>
+          </a:solidFill>
+        </p:spPr>
+        <p:style>
+          <a:lnRef idx="2">
+            <a:schemeClr val="accent1">
+              <a:shade val="50000"/>
+            </a:schemeClr>
+          </a:lnRef>
+          <a:fillRef idx="1">
+            <a:schemeClr val="accent1"/>
+          </a:fillRef>
+          <a:effectRef idx="0">
+            <a:schemeClr val="accent1"/>
+          </a:effectRef>
+          <a:fontRef idx="minor">
+            <a:schemeClr val="lt1"/>
+          </a:fontRef>
+        </p:style>
+        <p:txBody>
+          <a:bodyPr rtlCol="0" anchor="ctr"/>
+          <a:lstStyle/>
+          <a:p>
+            <a:pPr algn="ctr"/>
+            <a:endParaRPr lang="en-US" sz="900" b="1" u="sng" dirty="0"/>
+          </a:p>
+          <a:p>
+            <a:pPr algn="ctr"/>
+            <a:endParaRPr lang="en-US" sz="900" b="1" u="sng" dirty="0"/>
+          </a:p>
+          <a:p>
+            <a:pPr algn="ctr"/>
+            <a:endParaRPr lang="en-US" sz="900" b="1" u="sng" dirty="0"/>
+          </a:p>
+          <a:p>
+            <a:pPr algn="ctr"/>
+            <a:endParaRPr lang="en-US" sz="900" b="1" u="sng" dirty="0"/>
+          </a:p>
+          <a:p>
+            <a:pPr algn="ctr"/>
+            <a:r>
+              <a:rPr lang="en-US" sz="900" b="1" u="sng" dirty="0"/>
+              <a:t>Twitter</a:t>
+            </a:r>
+          </a:p>
+          <a:p>
+            <a:pPr algn="ctr"/>
+            <a:r>
+              <a:rPr lang="en-US" sz="900" dirty="0"/>
+              <a:t>Total # of Tweets: xxx</a:t>
+            </a:r>
+          </a:p>
+          <a:p>
+            <a:pPr algn="ctr"/>
+            <a:r>
+              <a:rPr lang="en-US" sz="900" dirty="0"/>
+              <a:t># of time users saw Tweets: xx</a:t>
+            </a:r>
+          </a:p>
+          <a:p>
+            <a:pPr algn="ctr"/>
+            <a:r>
+              <a:rPr lang="en-US" sz="900" dirty="0"/>
+              <a:t># of times users interacted: xxx</a:t>
+            </a:r>
+          </a:p>
+          <a:p>
+            <a:pPr algn="ctr"/>
+            <a:r>
+              <a:rPr lang="en-US" sz="900" i="1" u="sng" dirty="0"/>
+              <a:t>Click for top 5 tweets</a:t>
+            </a:r>
+          </a:p>
+          <a:p>
+            <a:pPr algn="ctr"/>
+            <a:r>
+              <a:rPr lang="en-US" sz="900" dirty="0"/>
+              <a:t>     </a:t>
+            </a:r>
+          </a:p>
+          <a:p>
+            <a:pPr algn="ctr"/>
+            <a:endParaRPr lang="en-US" sz="900" dirty="0"/>
+          </a:p>
+          <a:p>
+            <a:pPr algn="ctr"/>
+            <a:endParaRPr lang="en-US" sz="900" dirty="0"/>
+          </a:p>
+          <a:p>
+            <a:pPr algn="ctr"/>
+            <a:endParaRPr lang="en-US" sz="900" dirty="0"/>
+          </a:p>
+          <a:p>
+            <a:pPr algn="ctr"/>
+            <a:endParaRPr lang="en-US" sz="900" dirty="0"/>
+          </a:p>
+        </p:txBody>
+      </p:sp>
+      <p:sp>
+        <p:nvSpPr>
+          <p:cNvPr id="50" name="Rectangle: Rounded Corners 49">
+            <a:extLst>
+              <a:ext uri="{FF2B5EF4-FFF2-40B4-BE49-F238E27FC236}">
+                <a16:creationId xmlns:a16="http://schemas.microsoft.com/office/drawing/2014/main" id="{C11C0601-C085-4F23-A538-E6A81304160A}"/>
+              </a:ext>
+            </a:extLst>
+          </p:cNvPr>
+          <p:cNvSpPr/>
+          <p:nvPr/>
+        </p:nvSpPr>
+        <p:spPr>
+          <a:xfrm>
+            <a:off x="9991186" y="1989094"/>
+            <a:ext cx="1762758" cy="847204"/>
+          </a:xfrm>
+          <a:prstGeom prst="roundRect">
+            <a:avLst/>
+          </a:prstGeom>
+          <a:solidFill>
+            <a:schemeClr val="bg1">
+              <a:lumMod val="65000"/>
+            </a:schemeClr>
+          </a:solidFill>
+        </p:spPr>
+        <p:style>
+          <a:lnRef idx="2">
+            <a:schemeClr val="accent1">
+              <a:shade val="50000"/>
+            </a:schemeClr>
+          </a:lnRef>
+          <a:fillRef idx="1">
+            <a:schemeClr val="accent1"/>
+          </a:fillRef>
+          <a:effectRef idx="0">
+            <a:schemeClr val="accent1"/>
+          </a:effectRef>
+          <a:fontRef idx="minor">
+            <a:schemeClr val="lt1"/>
+          </a:fontRef>
+        </p:style>
+        <p:txBody>
+          <a:bodyPr rtlCol="0" anchor="ctr"/>
+          <a:lstStyle/>
+          <a:p>
+            <a:pPr algn="ctr"/>
+            <a:endParaRPr lang="en-US" sz="900" b="1" u="sng" dirty="0"/>
+          </a:p>
+          <a:p>
+            <a:pPr algn="ctr"/>
+            <a:endParaRPr lang="en-US" sz="900" b="1" u="sng" dirty="0"/>
+          </a:p>
+          <a:p>
+            <a:pPr algn="ctr"/>
+            <a:endParaRPr lang="en-US" sz="900" b="1" u="sng" dirty="0"/>
+          </a:p>
+          <a:p>
+            <a:pPr algn="ctr"/>
+            <a:endParaRPr lang="en-US" sz="900" b="1" u="sng" dirty="0"/>
+          </a:p>
+          <a:p>
+            <a:pPr algn="ctr"/>
+            <a:r>
+              <a:rPr lang="en-US" sz="900" b="1" u="sng" dirty="0"/>
+              <a:t>Facebook</a:t>
+            </a:r>
+          </a:p>
+          <a:p>
+            <a:pPr algn="ctr"/>
+            <a:r>
+              <a:rPr lang="en-US" sz="900" dirty="0"/>
+              <a:t>Total # of Post: xxx</a:t>
+            </a:r>
+          </a:p>
+          <a:p>
+            <a:pPr algn="ctr"/>
+            <a:r>
+              <a:rPr lang="en-US" sz="900" dirty="0"/>
+              <a:t># of time users saw Post: xx</a:t>
+            </a:r>
+          </a:p>
+          <a:p>
+            <a:pPr algn="ctr"/>
+            <a:r>
+              <a:rPr lang="en-US" sz="900" dirty="0"/>
+              <a:t># of times users interacted: xxx</a:t>
+            </a:r>
+          </a:p>
+          <a:p>
+            <a:pPr algn="ctr"/>
+            <a:r>
+              <a:rPr lang="en-US" sz="900" i="1" u="sng" dirty="0"/>
+              <a:t>Click for top 5 post</a:t>
+            </a:r>
+          </a:p>
+          <a:p>
+            <a:pPr algn="ctr"/>
+            <a:r>
+              <a:rPr lang="en-US" sz="900" dirty="0"/>
+              <a:t>     </a:t>
+            </a:r>
+          </a:p>
+          <a:p>
+            <a:pPr algn="ctr"/>
+            <a:endParaRPr lang="en-US" sz="900" dirty="0"/>
+          </a:p>
+          <a:p>
+            <a:pPr algn="ctr"/>
+            <a:endParaRPr lang="en-US" sz="900" dirty="0"/>
+          </a:p>
+          <a:p>
+            <a:pPr algn="ctr"/>
+            <a:endParaRPr lang="en-US" sz="900" dirty="0"/>
+          </a:p>
+          <a:p>
+            <a:pPr algn="ctr"/>
+            <a:endParaRPr lang="en-US" sz="900" dirty="0"/>
           </a:p>
         </p:txBody>
       </p:sp>
